--- a/Figures_EP/HAPV/DBSCAN.pptx
+++ b/Figures_EP/HAPV/DBSCAN.pptx
@@ -259,7 +259,7 @@
           <a:p>
             <a:fld id="{28DE2F15-F670-6142-A380-E0390154FF41}" type="datetimeFigureOut">
               <a:rPr lang="en-US" smtClean="0"/>
-              <a:t>3/1/24</a:t>
+              <a:t>3/12/24</a:t>
             </a:fld>
             <a:endParaRPr lang="en-US"/>
           </a:p>
@@ -457,7 +457,7 @@
           <a:p>
             <a:fld id="{28DE2F15-F670-6142-A380-E0390154FF41}" type="datetimeFigureOut">
               <a:rPr lang="en-US" smtClean="0"/>
-              <a:t>3/1/24</a:t>
+              <a:t>3/12/24</a:t>
             </a:fld>
             <a:endParaRPr lang="en-US"/>
           </a:p>
@@ -665,7 +665,7 @@
           <a:p>
             <a:fld id="{28DE2F15-F670-6142-A380-E0390154FF41}" type="datetimeFigureOut">
               <a:rPr lang="en-US" smtClean="0"/>
-              <a:t>3/1/24</a:t>
+              <a:t>3/12/24</a:t>
             </a:fld>
             <a:endParaRPr lang="en-US"/>
           </a:p>
@@ -863,7 +863,7 @@
           <a:p>
             <a:fld id="{28DE2F15-F670-6142-A380-E0390154FF41}" type="datetimeFigureOut">
               <a:rPr lang="en-US" smtClean="0"/>
-              <a:t>3/1/24</a:t>
+              <a:t>3/12/24</a:t>
             </a:fld>
             <a:endParaRPr lang="en-US"/>
           </a:p>
@@ -1138,7 +1138,7 @@
           <a:p>
             <a:fld id="{28DE2F15-F670-6142-A380-E0390154FF41}" type="datetimeFigureOut">
               <a:rPr lang="en-US" smtClean="0"/>
-              <a:t>3/1/24</a:t>
+              <a:t>3/12/24</a:t>
             </a:fld>
             <a:endParaRPr lang="en-US"/>
           </a:p>
@@ -1403,7 +1403,7 @@
           <a:p>
             <a:fld id="{28DE2F15-F670-6142-A380-E0390154FF41}" type="datetimeFigureOut">
               <a:rPr lang="en-US" smtClean="0"/>
-              <a:t>3/1/24</a:t>
+              <a:t>3/12/24</a:t>
             </a:fld>
             <a:endParaRPr lang="en-US"/>
           </a:p>
@@ -1815,7 +1815,7 @@
           <a:p>
             <a:fld id="{28DE2F15-F670-6142-A380-E0390154FF41}" type="datetimeFigureOut">
               <a:rPr lang="en-US" smtClean="0"/>
-              <a:t>3/1/24</a:t>
+              <a:t>3/12/24</a:t>
             </a:fld>
             <a:endParaRPr lang="en-US"/>
           </a:p>
@@ -1956,7 +1956,7 @@
           <a:p>
             <a:fld id="{28DE2F15-F670-6142-A380-E0390154FF41}" type="datetimeFigureOut">
               <a:rPr lang="en-US" smtClean="0"/>
-              <a:t>3/1/24</a:t>
+              <a:t>3/12/24</a:t>
             </a:fld>
             <a:endParaRPr lang="en-US"/>
           </a:p>
@@ -2069,7 +2069,7 @@
           <a:p>
             <a:fld id="{28DE2F15-F670-6142-A380-E0390154FF41}" type="datetimeFigureOut">
               <a:rPr lang="en-US" smtClean="0"/>
-              <a:t>3/1/24</a:t>
+              <a:t>3/12/24</a:t>
             </a:fld>
             <a:endParaRPr lang="en-US"/>
           </a:p>
@@ -2380,7 +2380,7 @@
           <a:p>
             <a:fld id="{28DE2F15-F670-6142-A380-E0390154FF41}" type="datetimeFigureOut">
               <a:rPr lang="en-US" smtClean="0"/>
-              <a:t>3/1/24</a:t>
+              <a:t>3/12/24</a:t>
             </a:fld>
             <a:endParaRPr lang="en-US"/>
           </a:p>
@@ -2668,7 +2668,7 @@
           <a:p>
             <a:fld id="{28DE2F15-F670-6142-A380-E0390154FF41}" type="datetimeFigureOut">
               <a:rPr lang="en-US" smtClean="0"/>
-              <a:t>3/1/24</a:t>
+              <a:t>3/12/24</a:t>
             </a:fld>
             <a:endParaRPr lang="en-US"/>
           </a:p>
@@ -2909,7 +2909,7 @@
           <a:p>
             <a:fld id="{28DE2F15-F670-6142-A380-E0390154FF41}" type="datetimeFigureOut">
               <a:rPr lang="en-US" smtClean="0"/>
-              <a:t>3/1/24</a:t>
+              <a:t>3/12/24</a:t>
             </a:fld>
             <a:endParaRPr lang="en-US"/>
           </a:p>
@@ -3908,8 +3908,8 @@
         </p:nvSpPr>
         <p:spPr>
           <a:xfrm rot="5400000">
-            <a:off x="1981056" y="1215375"/>
-            <a:ext cx="3167823" cy="2101906"/>
+            <a:off x="2101321" y="1093898"/>
+            <a:ext cx="2926080" cy="2103120"/>
           </a:xfrm>
           <a:prstGeom prst="rect">
             <a:avLst/>
@@ -5010,8 +5010,8 @@
         </p:nvSpPr>
         <p:spPr>
           <a:xfrm rot="5400000">
-            <a:off x="6209640" y="1358913"/>
-            <a:ext cx="3167823" cy="1815208"/>
+            <a:off x="6323716" y="1231247"/>
+            <a:ext cx="2926080" cy="1828800"/>
           </a:xfrm>
           <a:prstGeom prst="rect">
             <a:avLst/>
@@ -5071,8 +5071,8 @@
           </a:prstGeom>
           <a:solidFill>
             <a:schemeClr val="accent2">
-              <a:lumMod val="60000"/>
-              <a:lumOff val="40000"/>
+              <a:lumMod val="40000"/>
+              <a:lumOff val="60000"/>
             </a:schemeClr>
           </a:solidFill>
         </p:spPr>
@@ -5305,7 +5305,7 @@
         </p:nvSpPr>
         <p:spPr>
           <a:xfrm>
-            <a:off x="2514014" y="3573725"/>
+            <a:off x="2514014" y="3594273"/>
             <a:ext cx="2097397" cy="338554"/>
           </a:xfrm>
           <a:prstGeom prst="rect">
@@ -5385,56 +5385,6 @@
       </p:sp>
       <p:sp>
         <p:nvSpPr>
-          <p:cNvPr id="237" name="TextBox 236">
-            <a:extLst>
-              <a:ext uri="{FF2B5EF4-FFF2-40B4-BE49-F238E27FC236}">
-                <a16:creationId xmlns:a16="http://schemas.microsoft.com/office/drawing/2014/main" id="{F3762560-D5A5-B2EE-E22C-E9CE61CCCBC4}"/>
-              </a:ext>
-            </a:extLst>
-          </p:cNvPr>
-          <p:cNvSpPr txBox="1"/>
-          <p:nvPr/>
-        </p:nvSpPr>
-        <p:spPr>
-          <a:xfrm>
-            <a:off x="6890457" y="3579405"/>
-            <a:ext cx="1810699" cy="338554"/>
-          </a:xfrm>
-          <a:prstGeom prst="rect">
-            <a:avLst/>
-          </a:prstGeom>
-          <a:noFill/>
-        </p:spPr>
-        <p:txBody>
-          <a:bodyPr wrap="square" rtlCol="0">
-            <a:spAutoFit/>
-          </a:bodyPr>
-          <a:lstStyle/>
-          <a:p>
-            <a:pPr algn="ctr"/>
-            <a:r>
-              <a:rPr lang="en-US" sz="1600" dirty="0" err="1">
-                <a:latin typeface="Calibri" panose="020F0502020204030204" pitchFamily="34" charset="0"/>
-                <a:cs typeface="Calibri" panose="020F0502020204030204" pitchFamily="34" charset="0"/>
-              </a:rPr>
-              <a:t>MinPts</a:t>
-            </a:r>
-            <a:r>
-              <a:rPr lang="en-US" sz="1600" dirty="0">
-                <a:latin typeface="Calibri" panose="020F0502020204030204" pitchFamily="34" charset="0"/>
-                <a:cs typeface="Calibri" panose="020F0502020204030204" pitchFamily="34" charset="0"/>
-              </a:rPr>
-              <a:t>: 3</a:t>
-            </a:r>
-            <a:endParaRPr lang="en-US" sz="1600" baseline="-25000" dirty="0">
-              <a:latin typeface="Calibri" panose="020F0502020204030204" pitchFamily="34" charset="0"/>
-              <a:cs typeface="Calibri" panose="020F0502020204030204" pitchFamily="34" charset="0"/>
-            </a:endParaRPr>
-          </a:p>
-        </p:txBody>
-      </p:sp>
-      <p:sp>
-        <p:nvSpPr>
           <p:cNvPr id="239" name="Oval 238">
             <a:extLst>
               <a:ext uri="{FF2B5EF4-FFF2-40B4-BE49-F238E27FC236}">
@@ -5457,8 +5407,8 @@
           </a:prstGeom>
           <a:solidFill>
             <a:schemeClr val="accent2">
-              <a:lumMod val="60000"/>
-              <a:lumOff val="40000"/>
+              <a:lumMod val="40000"/>
+              <a:lumOff val="60000"/>
               <a:alpha val="20000"/>
             </a:schemeClr>
           </a:solidFill>
@@ -5574,8 +5524,8 @@
           </a:prstGeom>
           <a:solidFill>
             <a:schemeClr val="accent2">
-              <a:lumMod val="60000"/>
-              <a:lumOff val="40000"/>
+              <a:lumMod val="40000"/>
+              <a:lumOff val="60000"/>
               <a:alpha val="20000"/>
             </a:schemeClr>
           </a:solidFill>
@@ -5901,8 +5851,8 @@
         </p:nvSpPr>
         <p:spPr>
           <a:xfrm rot="5400000">
-            <a:off x="8204439" y="1302052"/>
-            <a:ext cx="3167823" cy="1926758"/>
+            <a:off x="8328570" y="1184441"/>
+            <a:ext cx="2926080" cy="1920240"/>
           </a:xfrm>
           <a:prstGeom prst="rect">
             <a:avLst/>
@@ -5962,8 +5912,8 @@
           </a:prstGeom>
           <a:solidFill>
             <a:schemeClr val="accent2">
-              <a:lumMod val="60000"/>
-              <a:lumOff val="40000"/>
+              <a:lumMod val="40000"/>
+              <a:lumOff val="60000"/>
             </a:schemeClr>
           </a:solidFill>
         </p:spPr>
@@ -6107,8 +6057,8 @@
           </a:prstGeom>
           <a:solidFill>
             <a:schemeClr val="accent2">
-              <a:lumMod val="60000"/>
-              <a:lumOff val="40000"/>
+              <a:lumMod val="40000"/>
+              <a:lumOff val="60000"/>
             </a:schemeClr>
           </a:solidFill>
         </p:spPr>
@@ -6187,56 +6137,6 @@
       </p:cxnSp>
       <p:sp>
         <p:nvSpPr>
-          <p:cNvPr id="262" name="TextBox 261">
-            <a:extLst>
-              <a:ext uri="{FF2B5EF4-FFF2-40B4-BE49-F238E27FC236}">
-                <a16:creationId xmlns:a16="http://schemas.microsoft.com/office/drawing/2014/main" id="{6574D23A-ACB8-186D-3BAB-C695078548F9}"/>
-              </a:ext>
-            </a:extLst>
-          </p:cNvPr>
-          <p:cNvSpPr txBox="1"/>
-          <p:nvPr/>
-        </p:nvSpPr>
-        <p:spPr>
-          <a:xfrm>
-            <a:off x="8831952" y="3573240"/>
-            <a:ext cx="1919777" cy="338554"/>
-          </a:xfrm>
-          <a:prstGeom prst="rect">
-            <a:avLst/>
-          </a:prstGeom>
-          <a:noFill/>
-        </p:spPr>
-        <p:txBody>
-          <a:bodyPr wrap="square" rtlCol="0">
-            <a:spAutoFit/>
-          </a:bodyPr>
-          <a:lstStyle/>
-          <a:p>
-            <a:pPr algn="ctr"/>
-            <a:r>
-              <a:rPr lang="en-US" sz="1600" dirty="0" err="1">
-                <a:latin typeface="Calibri" panose="020F0502020204030204" pitchFamily="34" charset="0"/>
-                <a:cs typeface="Calibri" panose="020F0502020204030204" pitchFamily="34" charset="0"/>
-              </a:rPr>
-              <a:t>MinPts</a:t>
-            </a:r>
-            <a:r>
-              <a:rPr lang="en-US" sz="1600" dirty="0">
-                <a:latin typeface="Calibri" panose="020F0502020204030204" pitchFamily="34" charset="0"/>
-                <a:cs typeface="Calibri" panose="020F0502020204030204" pitchFamily="34" charset="0"/>
-              </a:rPr>
-              <a:t>: 2</a:t>
-            </a:r>
-            <a:endParaRPr lang="en-US" sz="1600" baseline="-25000" dirty="0">
-              <a:latin typeface="Calibri" panose="020F0502020204030204" pitchFamily="34" charset="0"/>
-              <a:cs typeface="Calibri" panose="020F0502020204030204" pitchFamily="34" charset="0"/>
-            </a:endParaRPr>
-          </a:p>
-        </p:txBody>
-      </p:sp>
-      <p:sp>
-        <p:nvSpPr>
           <p:cNvPr id="269" name="Oval 268">
             <a:extLst>
               <a:ext uri="{FF2B5EF4-FFF2-40B4-BE49-F238E27FC236}">
@@ -6405,8 +6305,8 @@
         </p:nvSpPr>
         <p:spPr>
           <a:xfrm rot="5400000">
-            <a:off x="4270614" y="1358722"/>
-            <a:ext cx="3167823" cy="1815211"/>
+            <a:off x="4415513" y="1231056"/>
+            <a:ext cx="2926080" cy="1828800"/>
           </a:xfrm>
           <a:prstGeom prst="rect">
             <a:avLst/>
@@ -6466,8 +6366,8 @@
           </a:prstGeom>
           <a:solidFill>
             <a:schemeClr val="accent2">
-              <a:lumMod val="60000"/>
-              <a:lumOff val="40000"/>
+              <a:lumMod val="40000"/>
+              <a:lumOff val="60000"/>
             </a:schemeClr>
           </a:solidFill>
         </p:spPr>
@@ -6688,10 +6588,10 @@
       </p:cxnSp>
       <p:sp>
         <p:nvSpPr>
-          <p:cNvPr id="279" name="TextBox 278">
-            <a:extLst>
-              <a:ext uri="{FF2B5EF4-FFF2-40B4-BE49-F238E27FC236}">
-                <a16:creationId xmlns:a16="http://schemas.microsoft.com/office/drawing/2014/main" id="{8CBB6D0C-BCEF-0E53-6B61-47B868661CDF}"/>
+          <p:cNvPr id="280" name="TextBox 279">
+            <a:extLst>
+              <a:ext uri="{FF2B5EF4-FFF2-40B4-BE49-F238E27FC236}">
+                <a16:creationId xmlns:a16="http://schemas.microsoft.com/office/drawing/2014/main" id="{85A12297-8BD4-1863-6105-2C69C82B65ED}"/>
               </a:ext>
             </a:extLst>
           </p:cNvPr>
@@ -6700,8 +6600,8 @@
         </p:nvSpPr>
         <p:spPr>
           <a:xfrm>
-            <a:off x="4946921" y="3579216"/>
-            <a:ext cx="1815210" cy="338554"/>
+            <a:off x="4939940" y="297117"/>
+            <a:ext cx="5811789" cy="338554"/>
           </a:xfrm>
           <a:prstGeom prst="rect">
             <a:avLst/>
@@ -6715,6 +6615,59 @@
           <a:lstStyle/>
           <a:p>
             <a:pPr algn="ctr"/>
+            <a:r>
+              <a:rPr lang="en-US" sz="1600" dirty="0">
+                <a:latin typeface="Calibri" panose="020F0502020204030204" pitchFamily="34" charset="0"/>
+                <a:cs typeface="Calibri" panose="020F0502020204030204" pitchFamily="34" charset="0"/>
+              </a:rPr>
+              <a:t>Partition, S</a:t>
+            </a:r>
+            <a:r>
+              <a:rPr lang="en-US" sz="1600" baseline="-25000" dirty="0">
+                <a:latin typeface="Calibri" panose="020F0502020204030204" pitchFamily="34" charset="0"/>
+                <a:cs typeface="Calibri" panose="020F0502020204030204" pitchFamily="34" charset="0"/>
+              </a:rPr>
+              <a:t>i</a:t>
+            </a:r>
+          </a:p>
+        </p:txBody>
+      </p:sp>
+      <p:sp>
+        <p:nvSpPr>
+          <p:cNvPr id="3" name="TextBox 2">
+            <a:extLst>
+              <a:ext uri="{FF2B5EF4-FFF2-40B4-BE49-F238E27FC236}">
+                <a16:creationId xmlns:a16="http://schemas.microsoft.com/office/drawing/2014/main" id="{4738A2B1-5EEF-263D-1D95-2B6FB6283508}"/>
+              </a:ext>
+            </a:extLst>
+          </p:cNvPr>
+          <p:cNvSpPr txBox="1"/>
+          <p:nvPr/>
+        </p:nvSpPr>
+        <p:spPr>
+          <a:xfrm>
+            <a:off x="4959643" y="3598885"/>
+            <a:ext cx="1828800" cy="338554"/>
+          </a:xfrm>
+          <a:prstGeom prst="rect">
+            <a:avLst/>
+          </a:prstGeom>
+          <a:noFill/>
+        </p:spPr>
+        <p:txBody>
+          <a:bodyPr wrap="square" rtlCol="0">
+            <a:spAutoFit/>
+          </a:bodyPr>
+          <a:lstStyle/>
+          <a:p>
+            <a:pPr algn="ctr"/>
+            <a:r>
+              <a:rPr lang="en-US" sz="1600" dirty="0">
+                <a:latin typeface="Calibri" panose="020F0502020204030204" pitchFamily="34" charset="0"/>
+                <a:cs typeface="Calibri" panose="020F0502020204030204" pitchFamily="34" charset="0"/>
+              </a:rPr>
+              <a:t>(a) </a:t>
+            </a:r>
             <a:r>
               <a:rPr lang="en-US" sz="1600" dirty="0" err="1">
                 <a:latin typeface="Calibri" panose="020F0502020204030204" pitchFamily="34" charset="0"/>
@@ -6738,10 +6691,10 @@
       </p:sp>
       <p:sp>
         <p:nvSpPr>
-          <p:cNvPr id="280" name="TextBox 279">
-            <a:extLst>
-              <a:ext uri="{FF2B5EF4-FFF2-40B4-BE49-F238E27FC236}">
-                <a16:creationId xmlns:a16="http://schemas.microsoft.com/office/drawing/2014/main" id="{85A12297-8BD4-1863-6105-2C69C82B65ED}"/>
+          <p:cNvPr id="4" name="TextBox 3">
+            <a:extLst>
+              <a:ext uri="{FF2B5EF4-FFF2-40B4-BE49-F238E27FC236}">
+                <a16:creationId xmlns:a16="http://schemas.microsoft.com/office/drawing/2014/main" id="{3295B284-6784-0F65-68FD-F0F18D49B763}"/>
               </a:ext>
             </a:extLst>
           </p:cNvPr>
@@ -6750,8 +6703,8 @@
         </p:nvSpPr>
         <p:spPr>
           <a:xfrm>
-            <a:off x="4939940" y="297117"/>
-            <a:ext cx="5811789" cy="338554"/>
+            <a:off x="6872357" y="3597776"/>
+            <a:ext cx="1828800" cy="338554"/>
           </a:xfrm>
           <a:prstGeom prst="rect">
             <a:avLst/>
@@ -6770,24 +6723,35 @@
                 <a:latin typeface="Calibri" panose="020F0502020204030204" pitchFamily="34" charset="0"/>
                 <a:cs typeface="Calibri" panose="020F0502020204030204" pitchFamily="34" charset="0"/>
               </a:rPr>
-              <a:t>Partition, S</a:t>
-            </a:r>
-            <a:r>
-              <a:rPr lang="en-US" sz="1600" baseline="-25000" dirty="0">
+              <a:t>(b) </a:t>
+            </a:r>
+            <a:r>
+              <a:rPr lang="en-US" sz="1600" dirty="0" err="1">
                 <a:latin typeface="Calibri" panose="020F0502020204030204" pitchFamily="34" charset="0"/>
                 <a:cs typeface="Calibri" panose="020F0502020204030204" pitchFamily="34" charset="0"/>
               </a:rPr>
-              <a:t>i</a:t>
-            </a:r>
-          </a:p>
-        </p:txBody>
-      </p:sp>
-      <p:sp>
-        <p:nvSpPr>
-          <p:cNvPr id="3" name="TextBox 2">
-            <a:extLst>
-              <a:ext uri="{FF2B5EF4-FFF2-40B4-BE49-F238E27FC236}">
-                <a16:creationId xmlns:a16="http://schemas.microsoft.com/office/drawing/2014/main" id="{4738A2B1-5EEF-263D-1D95-2B6FB6283508}"/>
+              <a:t>MinPts</a:t>
+            </a:r>
+            <a:r>
+              <a:rPr lang="en-US" sz="1600" dirty="0">
+                <a:latin typeface="Calibri" panose="020F0502020204030204" pitchFamily="34" charset="0"/>
+                <a:cs typeface="Calibri" panose="020F0502020204030204" pitchFamily="34" charset="0"/>
+              </a:rPr>
+              <a:t>: 3</a:t>
+            </a:r>
+            <a:endParaRPr lang="en-US" sz="1600" baseline="-25000" dirty="0">
+              <a:latin typeface="Calibri" panose="020F0502020204030204" pitchFamily="34" charset="0"/>
+              <a:cs typeface="Calibri" panose="020F0502020204030204" pitchFamily="34" charset="0"/>
+            </a:endParaRPr>
+          </a:p>
+        </p:txBody>
+      </p:sp>
+      <p:sp>
+        <p:nvSpPr>
+          <p:cNvPr id="5" name="TextBox 4">
+            <a:extLst>
+              <a:ext uri="{FF2B5EF4-FFF2-40B4-BE49-F238E27FC236}">
+                <a16:creationId xmlns:a16="http://schemas.microsoft.com/office/drawing/2014/main" id="{260F76D9-0249-7D39-0136-2503AB814E71}"/>
               </a:ext>
             </a:extLst>
           </p:cNvPr>
@@ -6796,8 +6760,8 @@
         </p:nvSpPr>
         <p:spPr>
           <a:xfrm>
-            <a:off x="4953902" y="3896807"/>
-            <a:ext cx="1805759" cy="338554"/>
+            <a:off x="8824969" y="3595027"/>
+            <a:ext cx="1926759" cy="338554"/>
           </a:xfrm>
           <a:prstGeom prst="rect">
             <a:avLst/>
@@ -6816,93 +6780,21 @@
                 <a:latin typeface="Calibri" panose="020F0502020204030204" pitchFamily="34" charset="0"/>
                 <a:cs typeface="Calibri" panose="020F0502020204030204" pitchFamily="34" charset="0"/>
               </a:rPr>
-              <a:t>(a)</a:t>
-            </a:r>
-            <a:endParaRPr lang="en-US" sz="1600" baseline="-25000" dirty="0">
-              <a:latin typeface="Calibri" panose="020F0502020204030204" pitchFamily="34" charset="0"/>
-              <a:cs typeface="Calibri" panose="020F0502020204030204" pitchFamily="34" charset="0"/>
-            </a:endParaRPr>
-          </a:p>
-        </p:txBody>
-      </p:sp>
-      <p:sp>
-        <p:nvSpPr>
-          <p:cNvPr id="4" name="TextBox 3">
-            <a:extLst>
-              <a:ext uri="{FF2B5EF4-FFF2-40B4-BE49-F238E27FC236}">
-                <a16:creationId xmlns:a16="http://schemas.microsoft.com/office/drawing/2014/main" id="{3295B284-6784-0F65-68FD-F0F18D49B763}"/>
-              </a:ext>
-            </a:extLst>
-          </p:cNvPr>
-          <p:cNvSpPr txBox="1"/>
-          <p:nvPr/>
-        </p:nvSpPr>
-        <p:spPr>
-          <a:xfrm>
-            <a:off x="6892926" y="3895698"/>
-            <a:ext cx="1812739" cy="338554"/>
-          </a:xfrm>
-          <a:prstGeom prst="rect">
-            <a:avLst/>
-          </a:prstGeom>
-          <a:noFill/>
-        </p:spPr>
-        <p:txBody>
-          <a:bodyPr wrap="square" rtlCol="0">
-            <a:spAutoFit/>
-          </a:bodyPr>
-          <a:lstStyle/>
-          <a:p>
-            <a:pPr algn="ctr"/>
+              <a:t>(c) </a:t>
+            </a:r>
+            <a:r>
+              <a:rPr lang="en-US" sz="1600" dirty="0" err="1">
+                <a:latin typeface="Calibri" panose="020F0502020204030204" pitchFamily="34" charset="0"/>
+                <a:cs typeface="Calibri" panose="020F0502020204030204" pitchFamily="34" charset="0"/>
+              </a:rPr>
+              <a:t>MinPts</a:t>
+            </a:r>
             <a:r>
               <a:rPr lang="en-US" sz="1600" dirty="0">
                 <a:latin typeface="Calibri" panose="020F0502020204030204" pitchFamily="34" charset="0"/>
                 <a:cs typeface="Calibri" panose="020F0502020204030204" pitchFamily="34" charset="0"/>
               </a:rPr>
-              <a:t>(b)</a:t>
-            </a:r>
-            <a:endParaRPr lang="en-US" sz="1600" baseline="-25000" dirty="0">
-              <a:latin typeface="Calibri" panose="020F0502020204030204" pitchFamily="34" charset="0"/>
-              <a:cs typeface="Calibri" panose="020F0502020204030204" pitchFamily="34" charset="0"/>
-            </a:endParaRPr>
-          </a:p>
-        </p:txBody>
-      </p:sp>
-      <p:sp>
-        <p:nvSpPr>
-          <p:cNvPr id="5" name="TextBox 4">
-            <a:extLst>
-              <a:ext uri="{FF2B5EF4-FFF2-40B4-BE49-F238E27FC236}">
-                <a16:creationId xmlns:a16="http://schemas.microsoft.com/office/drawing/2014/main" id="{260F76D9-0249-7D39-0136-2503AB814E71}"/>
-              </a:ext>
-            </a:extLst>
-          </p:cNvPr>
-          <p:cNvSpPr txBox="1"/>
-          <p:nvPr/>
-        </p:nvSpPr>
-        <p:spPr>
-          <a:xfrm>
-            <a:off x="8824969" y="3892949"/>
-            <a:ext cx="1926759" cy="338554"/>
-          </a:xfrm>
-          <a:prstGeom prst="rect">
-            <a:avLst/>
-          </a:prstGeom>
-          <a:noFill/>
-        </p:spPr>
-        <p:txBody>
-          <a:bodyPr wrap="square" rtlCol="0">
-            <a:spAutoFit/>
-          </a:bodyPr>
-          <a:lstStyle/>
-          <a:p>
-            <a:pPr algn="ctr"/>
-            <a:r>
-              <a:rPr lang="en-US" sz="1600" dirty="0">
-                <a:latin typeface="Calibri" panose="020F0502020204030204" pitchFamily="34" charset="0"/>
-                <a:cs typeface="Calibri" panose="020F0502020204030204" pitchFamily="34" charset="0"/>
-              </a:rPr>
-              <a:t>(c)</a:t>
+              <a:t>: 2</a:t>
             </a:r>
             <a:endParaRPr lang="en-US" sz="1600" baseline="-25000" dirty="0">
               <a:latin typeface="Calibri" panose="020F0502020204030204" pitchFamily="34" charset="0"/>

--- a/Figures_EP/HAPV/DBSCAN.pptx
+++ b/Figures_EP/HAPV/DBSCAN.pptx
@@ -259,7 +259,7 @@
           <a:p>
             <a:fld id="{28DE2F15-F670-6142-A380-E0390154FF41}" type="datetimeFigureOut">
               <a:rPr lang="en-US" smtClean="0"/>
-              <a:t>3/12/24</a:t>
+              <a:t>3/15/24</a:t>
             </a:fld>
             <a:endParaRPr lang="en-US"/>
           </a:p>
@@ -457,7 +457,7 @@
           <a:p>
             <a:fld id="{28DE2F15-F670-6142-A380-E0390154FF41}" type="datetimeFigureOut">
               <a:rPr lang="en-US" smtClean="0"/>
-              <a:t>3/12/24</a:t>
+              <a:t>3/15/24</a:t>
             </a:fld>
             <a:endParaRPr lang="en-US"/>
           </a:p>
@@ -665,7 +665,7 @@
           <a:p>
             <a:fld id="{28DE2F15-F670-6142-A380-E0390154FF41}" type="datetimeFigureOut">
               <a:rPr lang="en-US" smtClean="0"/>
-              <a:t>3/12/24</a:t>
+              <a:t>3/15/24</a:t>
             </a:fld>
             <a:endParaRPr lang="en-US"/>
           </a:p>
@@ -863,7 +863,7 @@
           <a:p>
             <a:fld id="{28DE2F15-F670-6142-A380-E0390154FF41}" type="datetimeFigureOut">
               <a:rPr lang="en-US" smtClean="0"/>
-              <a:t>3/12/24</a:t>
+              <a:t>3/15/24</a:t>
             </a:fld>
             <a:endParaRPr lang="en-US"/>
           </a:p>
@@ -1138,7 +1138,7 @@
           <a:p>
             <a:fld id="{28DE2F15-F670-6142-A380-E0390154FF41}" type="datetimeFigureOut">
               <a:rPr lang="en-US" smtClean="0"/>
-              <a:t>3/12/24</a:t>
+              <a:t>3/15/24</a:t>
             </a:fld>
             <a:endParaRPr lang="en-US"/>
           </a:p>
@@ -1403,7 +1403,7 @@
           <a:p>
             <a:fld id="{28DE2F15-F670-6142-A380-E0390154FF41}" type="datetimeFigureOut">
               <a:rPr lang="en-US" smtClean="0"/>
-              <a:t>3/12/24</a:t>
+              <a:t>3/15/24</a:t>
             </a:fld>
             <a:endParaRPr lang="en-US"/>
           </a:p>
@@ -1815,7 +1815,7 @@
           <a:p>
             <a:fld id="{28DE2F15-F670-6142-A380-E0390154FF41}" type="datetimeFigureOut">
               <a:rPr lang="en-US" smtClean="0"/>
-              <a:t>3/12/24</a:t>
+              <a:t>3/15/24</a:t>
             </a:fld>
             <a:endParaRPr lang="en-US"/>
           </a:p>
@@ -1956,7 +1956,7 @@
           <a:p>
             <a:fld id="{28DE2F15-F670-6142-A380-E0390154FF41}" type="datetimeFigureOut">
               <a:rPr lang="en-US" smtClean="0"/>
-              <a:t>3/12/24</a:t>
+              <a:t>3/15/24</a:t>
             </a:fld>
             <a:endParaRPr lang="en-US"/>
           </a:p>
@@ -2069,7 +2069,7 @@
           <a:p>
             <a:fld id="{28DE2F15-F670-6142-A380-E0390154FF41}" type="datetimeFigureOut">
               <a:rPr lang="en-US" smtClean="0"/>
-              <a:t>3/12/24</a:t>
+              <a:t>3/15/24</a:t>
             </a:fld>
             <a:endParaRPr lang="en-US"/>
           </a:p>
@@ -2380,7 +2380,7 @@
           <a:p>
             <a:fld id="{28DE2F15-F670-6142-A380-E0390154FF41}" type="datetimeFigureOut">
               <a:rPr lang="en-US" smtClean="0"/>
-              <a:t>3/12/24</a:t>
+              <a:t>3/15/24</a:t>
             </a:fld>
             <a:endParaRPr lang="en-US"/>
           </a:p>
@@ -2668,7 +2668,7 @@
           <a:p>
             <a:fld id="{28DE2F15-F670-6142-A380-E0390154FF41}" type="datetimeFigureOut">
               <a:rPr lang="en-US" smtClean="0"/>
-              <a:t>3/12/24</a:t>
+              <a:t>3/15/24</a:t>
             </a:fld>
             <a:endParaRPr lang="en-US"/>
           </a:p>
@@ -2909,7 +2909,7 @@
           <a:p>
             <a:fld id="{28DE2F15-F670-6142-A380-E0390154FF41}" type="datetimeFigureOut">
               <a:rPr lang="en-US" smtClean="0"/>
-              <a:t>3/12/24</a:t>
+              <a:t>3/15/24</a:t>
             </a:fld>
             <a:endParaRPr lang="en-US"/>
           </a:p>
@@ -3377,7 +3377,7 @@
           <a:lstStyle/>
           <a:p>
             <a:pPr algn="ctr"/>
-            <a:endParaRPr lang="en-US" sz="1600">
+            <a:endParaRPr lang="en-US" sz="1600" dirty="0">
               <a:latin typeface="Calibri" panose="020F0502020204030204" pitchFamily="34" charset="0"/>
               <a:cs typeface="Calibri" panose="020F0502020204030204" pitchFamily="34" charset="0"/>
             </a:endParaRPr>
@@ -6800,6 +6800,162 @@
               <a:latin typeface="Calibri" panose="020F0502020204030204" pitchFamily="34" charset="0"/>
               <a:cs typeface="Calibri" panose="020F0502020204030204" pitchFamily="34" charset="0"/>
             </a:endParaRPr>
+          </a:p>
+        </p:txBody>
+      </p:sp>
+      <p:sp>
+        <p:nvSpPr>
+          <p:cNvPr id="2" name="TextBox 1">
+            <a:extLst>
+              <a:ext uri="{FF2B5EF4-FFF2-40B4-BE49-F238E27FC236}">
+                <a16:creationId xmlns:a16="http://schemas.microsoft.com/office/drawing/2014/main" id="{CFC5641D-4F6D-32FF-4B36-2C2D016A81D9}"/>
+              </a:ext>
+            </a:extLst>
+          </p:cNvPr>
+          <p:cNvSpPr txBox="1"/>
+          <p:nvPr/>
+        </p:nvSpPr>
+        <p:spPr>
+          <a:xfrm>
+            <a:off x="4015543" y="3030780"/>
+            <a:ext cx="426720" cy="369332"/>
+          </a:xfrm>
+          <a:prstGeom prst="rect">
+            <a:avLst/>
+          </a:prstGeom>
+          <a:noFill/>
+        </p:spPr>
+        <p:txBody>
+          <a:bodyPr wrap="none" rtlCol="0">
+            <a:spAutoFit/>
+          </a:bodyPr>
+          <a:lstStyle/>
+          <a:p>
+            <a:r>
+              <a:rPr lang="en-US" dirty="0"/>
+              <a:t>C</a:t>
+            </a:r>
+            <a:r>
+              <a:rPr lang="en-US" baseline="-25000" dirty="0"/>
+              <a:t>1</a:t>
+            </a:r>
+          </a:p>
+        </p:txBody>
+      </p:sp>
+      <p:sp>
+        <p:nvSpPr>
+          <p:cNvPr id="8" name="TextBox 7">
+            <a:extLst>
+              <a:ext uri="{FF2B5EF4-FFF2-40B4-BE49-F238E27FC236}">
+                <a16:creationId xmlns:a16="http://schemas.microsoft.com/office/drawing/2014/main" id="{7DE8E040-E9AF-E549-C8FE-E5A641DE5572}"/>
+              </a:ext>
+            </a:extLst>
+          </p:cNvPr>
+          <p:cNvSpPr txBox="1"/>
+          <p:nvPr/>
+        </p:nvSpPr>
+        <p:spPr>
+          <a:xfrm>
+            <a:off x="8071350" y="2195037"/>
+            <a:ext cx="426720" cy="369332"/>
+          </a:xfrm>
+          <a:prstGeom prst="rect">
+            <a:avLst/>
+          </a:prstGeom>
+          <a:noFill/>
+        </p:spPr>
+        <p:txBody>
+          <a:bodyPr wrap="none" rtlCol="0">
+            <a:spAutoFit/>
+          </a:bodyPr>
+          <a:lstStyle/>
+          <a:p>
+            <a:r>
+              <a:rPr lang="en-US" dirty="0"/>
+              <a:t>C</a:t>
+            </a:r>
+            <a:r>
+              <a:rPr lang="en-US" baseline="-25000" dirty="0"/>
+              <a:t>1</a:t>
+            </a:r>
+          </a:p>
+        </p:txBody>
+      </p:sp>
+      <p:sp>
+        <p:nvSpPr>
+          <p:cNvPr id="15" name="TextBox 14">
+            <a:extLst>
+              <a:ext uri="{FF2B5EF4-FFF2-40B4-BE49-F238E27FC236}">
+                <a16:creationId xmlns:a16="http://schemas.microsoft.com/office/drawing/2014/main" id="{ECFA436C-8520-7F71-2F99-C61712420981}"/>
+              </a:ext>
+            </a:extLst>
+          </p:cNvPr>
+          <p:cNvSpPr txBox="1"/>
+          <p:nvPr/>
+        </p:nvSpPr>
+        <p:spPr>
+          <a:xfrm>
+            <a:off x="10143398" y="1677286"/>
+            <a:ext cx="426720" cy="369332"/>
+          </a:xfrm>
+          <a:prstGeom prst="rect">
+            <a:avLst/>
+          </a:prstGeom>
+          <a:noFill/>
+        </p:spPr>
+        <p:txBody>
+          <a:bodyPr wrap="none" rtlCol="0">
+            <a:spAutoFit/>
+          </a:bodyPr>
+          <a:lstStyle/>
+          <a:p>
+            <a:r>
+              <a:rPr lang="en-US" dirty="0"/>
+              <a:t>C</a:t>
+            </a:r>
+            <a:r>
+              <a:rPr lang="en-US" baseline="-25000" dirty="0"/>
+              <a:t>1</a:t>
+            </a:r>
+          </a:p>
+        </p:txBody>
+      </p:sp>
+      <p:sp>
+        <p:nvSpPr>
+          <p:cNvPr id="18" name="TextBox 17">
+            <a:extLst>
+              <a:ext uri="{FF2B5EF4-FFF2-40B4-BE49-F238E27FC236}">
+                <a16:creationId xmlns:a16="http://schemas.microsoft.com/office/drawing/2014/main" id="{7837F320-ACF3-F0AA-F78D-B560B0B8676F}"/>
+              </a:ext>
+            </a:extLst>
+          </p:cNvPr>
+          <p:cNvSpPr txBox="1"/>
+          <p:nvPr/>
+        </p:nvSpPr>
+        <p:spPr>
+          <a:xfrm>
+            <a:off x="10256695" y="2810022"/>
+            <a:ext cx="426720" cy="369332"/>
+          </a:xfrm>
+          <a:prstGeom prst="rect">
+            <a:avLst/>
+          </a:prstGeom>
+          <a:noFill/>
+        </p:spPr>
+        <p:txBody>
+          <a:bodyPr wrap="none" rtlCol="0">
+            <a:spAutoFit/>
+          </a:bodyPr>
+          <a:lstStyle/>
+          <a:p>
+            <a:r>
+              <a:rPr lang="en-US" dirty="0"/>
+              <a:t>C</a:t>
+            </a:r>
+            <a:r>
+              <a:rPr lang="en-US" baseline="-25000" dirty="0"/>
+              <a:t>2</a:t>
+            </a:r>
           </a:p>
         </p:txBody>
       </p:sp>
